--- a/Make cheatsheet.pptx
+++ b/Make cheatsheet.pptx
@@ -106,6 +106,11 @@
       </a:defRPr>
     </a:lvl9pPr>
   </p:defaultTextStyle>
+  <p:extLst>
+    <p:ext uri="{EFAFB233-063F-42B5-8137-9DF3F51BA10A}">
+      <p15:sldGuideLst xmlns:p15="http://schemas.microsoft.com/office/powerpoint/2012/main"/>
+    </p:ext>
+  </p:extLst>
 </p:presentation>
 </file>
 
@@ -3733,8 +3738,8 @@
         </p:nvSpPr>
         <p:spPr>
           <a:xfrm>
-            <a:off x="2967420" y="861308"/>
-            <a:ext cx="1593108" cy="369332"/>
+            <a:off x="2258918" y="865675"/>
+            <a:ext cx="2512565" cy="369332"/>
           </a:xfrm>
           <a:prstGeom prst="rect">
             <a:avLst/>
@@ -3757,22 +3762,15 @@
               <a:t> </a:t>
             </a:r>
             <a:r>
-              <a:rPr lang="en-US" i="1" dirty="0" err="1">
+              <a:rPr lang="en-US" i="1" dirty="0">
                 <a:solidFill>
                   <a:schemeClr val="accent6">
                     <a:lumMod val="75000"/>
                   </a:schemeClr>
                 </a:solidFill>
               </a:rPr>
-              <a:t>legend.title</a:t>
-            </a:r>
-            <a:endParaRPr lang="en-US" i="1" dirty="0">
-              <a:solidFill>
-                <a:schemeClr val="accent6">
-                  <a:lumMod val="75000"/>
-                </a:schemeClr>
-              </a:solidFill>
-            </a:endParaRPr>
+              <a:t>legend.simple.slopes</a:t>
+            </a:r>
           </a:p>
         </p:txBody>
       </p:sp>
@@ -3855,16 +3853,6 @@
               <a:t> </a:t>
             </a:r>
             <a:r>
-              <a:rPr lang="en-US" i="1" dirty="0" err="1">
-                <a:solidFill>
-                  <a:schemeClr val="accent6">
-                    <a:lumMod val="75000"/>
-                  </a:schemeClr>
-                </a:solidFill>
-              </a:rPr>
-              <a:t>xlab</a:t>
-            </a:r>
-            <a:r>
               <a:rPr lang="en-US" i="1" dirty="0">
                 <a:solidFill>
                   <a:schemeClr val="accent6">
@@ -3872,25 +3860,8 @@
                   </a:schemeClr>
                 </a:solidFill>
               </a:rPr>
-              <a:t> &amp; </a:t>
-            </a:r>
-            <a:r>
-              <a:rPr lang="en-US" i="1" dirty="0" err="1">
-                <a:solidFill>
-                  <a:schemeClr val="accent6">
-                    <a:lumMod val="75000"/>
-                  </a:schemeClr>
-                </a:solidFill>
-              </a:rPr>
-              <a:t>xlim</a:t>
-            </a:r>
-            <a:endParaRPr lang="en-US" i="1" dirty="0">
-              <a:solidFill>
-                <a:schemeClr val="accent6">
-                  <a:lumMod val="75000"/>
-                </a:schemeClr>
-              </a:solidFill>
-            </a:endParaRPr>
+              <a:t>xlab &amp; xlim</a:t>
+            </a:r>
           </a:p>
         </p:txBody>
       </p:sp>
@@ -4357,8 +4328,8 @@
         </p:nvSpPr>
         <p:spPr>
           <a:xfrm>
-            <a:off x="4908201" y="67880"/>
-            <a:ext cx="5914376" cy="830997"/>
+            <a:off x="92322" y="56385"/>
+            <a:ext cx="5914376" cy="584775"/>
           </a:xfrm>
           <a:prstGeom prst="rect">
             <a:avLst/>
@@ -4445,16 +4416,108 @@
               </a:rPr>
               <a:t>’</a:t>
             </a:r>
-          </a:p>
-          <a:p>
-            <a:endParaRPr lang="en-US" sz="1600" dirty="0">
-              <a:latin typeface="Times New Roman" panose="02020603050405020304" pitchFamily="18" charset="0"/>
-              <a:ea typeface="Tahoma" panose="020B0604030504040204" pitchFamily="34" charset="0"/>
-              <a:cs typeface="Times New Roman" panose="02020603050405020304" pitchFamily="18" charset="0"/>
-            </a:endParaRPr>
-          </a:p>
-        </p:txBody>
-      </p:sp>
+            <a:r>
+              <a:rPr lang="en-US" sz="1600" dirty="0">
+                <a:latin typeface="Times New Roman" panose="02020603050405020304" pitchFamily="18" charset="0"/>
+                <a:ea typeface="Tahoma" panose="020B0604030504040204" pitchFamily="34" charset="0"/>
+                <a:cs typeface="Times New Roman" panose="02020603050405020304" pitchFamily="18" charset="0"/>
+              </a:rPr>
+              <a:t>/</a:t>
+            </a:r>
+          </a:p>
+        </p:txBody>
+      </p:sp>
+      <p:sp>
+        <p:nvSpPr>
+          <p:cNvPr id="2" name="TextBox 1">
+            <a:extLst>
+              <a:ext uri="{FF2B5EF4-FFF2-40B4-BE49-F238E27FC236}">
+                <a16:creationId xmlns:a16="http://schemas.microsoft.com/office/drawing/2014/main" id="{077A3DD8-47CB-3A86-FA14-EB062613CD4A}"/>
+              </a:ext>
+            </a:extLst>
+          </p:cNvPr>
+          <p:cNvSpPr txBox="1"/>
+          <p:nvPr/>
+        </p:nvSpPr>
+        <p:spPr>
+          <a:xfrm>
+            <a:off x="8318839" y="2532098"/>
+            <a:ext cx="2512565" cy="369332"/>
+          </a:xfrm>
+          <a:prstGeom prst="rect">
+            <a:avLst/>
+          </a:prstGeom>
+          <a:solidFill>
+            <a:schemeClr val="accent6">
+              <a:lumMod val="20000"/>
+              <a:lumOff val="80000"/>
+            </a:schemeClr>
+          </a:solidFill>
+        </p:spPr>
+        <p:txBody>
+          <a:bodyPr wrap="square" rtlCol="0">
+            <a:spAutoFit/>
+          </a:bodyPr>
+          <a:lstStyle/>
+          <a:p>
+            <a:r>
+              <a:rPr lang="en-US" dirty="0"/>
+              <a:t> </a:t>
+            </a:r>
+            <a:r>
+              <a:rPr lang="en-US" i="1" dirty="0">
+                <a:solidFill>
+                  <a:schemeClr val="accent6">
+                    <a:lumMod val="75000"/>
+                  </a:schemeClr>
+                </a:solidFill>
+              </a:rPr>
+              <a:t>legend.jn</a:t>
+            </a:r>
+          </a:p>
+        </p:txBody>
+      </p:sp>
+      <p:cxnSp>
+        <p:nvCxnSpPr>
+          <p:cNvPr id="3" name="Straight Arrow Connector 2">
+            <a:extLst>
+              <a:ext uri="{FF2B5EF4-FFF2-40B4-BE49-F238E27FC236}">
+                <a16:creationId xmlns:a16="http://schemas.microsoft.com/office/drawing/2014/main" id="{5236AF35-B515-2D34-033E-7D6D3768D2E9}"/>
+              </a:ext>
+            </a:extLst>
+          </p:cNvPr>
+          <p:cNvCxnSpPr>
+            <a:cxnSpLocks/>
+          </p:cNvCxnSpPr>
+          <p:nvPr/>
+        </p:nvCxnSpPr>
+        <p:spPr>
+          <a:xfrm flipH="1">
+            <a:off x="8908114" y="2121155"/>
+            <a:ext cx="515317" cy="346000"/>
+          </a:xfrm>
+          <a:prstGeom prst="straightConnector1">
+            <a:avLst/>
+          </a:prstGeom>
+          <a:ln>
+            <a:tailEnd type="triangle"/>
+          </a:ln>
+        </p:spPr>
+        <p:style>
+          <a:lnRef idx="2">
+            <a:schemeClr val="accent1"/>
+          </a:lnRef>
+          <a:fillRef idx="0">
+            <a:schemeClr val="accent1"/>
+          </a:fillRef>
+          <a:effectRef idx="1">
+            <a:schemeClr val="accent1"/>
+          </a:effectRef>
+          <a:fontRef idx="minor">
+            <a:schemeClr val="tx1"/>
+          </a:fontRef>
+        </p:style>
+      </p:cxnSp>
     </p:spTree>
     <p:extLst>
       <p:ext uri="{BB962C8B-B14F-4D97-AF65-F5344CB8AC3E}">
@@ -4485,53 +4548,257 @@
           <a:chExt cx="0" cy="0"/>
         </a:xfrm>
       </p:grpSpPr>
-      <p:sp>
-        <p:nvSpPr>
-          <p:cNvPr id="2" name="Title 1">
-            <a:extLst>
-              <a:ext uri="{FF2B5EF4-FFF2-40B4-BE49-F238E27FC236}">
-                <a16:creationId xmlns:a16="http://schemas.microsoft.com/office/drawing/2014/main" id="{E1FA6F06-5B2D-D971-DFB7-3D355AEA5591}"/>
-              </a:ext>
-            </a:extLst>
-          </p:cNvPr>
-          <p:cNvSpPr>
-            <a:spLocks noGrp="1"/>
-          </p:cNvSpPr>
-          <p:nvPr>
-            <p:ph type="title"/>
-          </p:nvPr>
-        </p:nvSpPr>
-        <p:spPr/>
-        <p:txBody>
-          <a:bodyPr/>
-          <a:lstStyle/>
-          <a:p>
-            <a:endParaRPr lang="en-US"/>
-          </a:p>
-        </p:txBody>
-      </p:sp>
-      <p:sp>
-        <p:nvSpPr>
-          <p:cNvPr id="3" name="Content Placeholder 2">
-            <a:extLst>
-              <a:ext uri="{FF2B5EF4-FFF2-40B4-BE49-F238E27FC236}">
-                <a16:creationId xmlns:a16="http://schemas.microsoft.com/office/drawing/2014/main" id="{029EB427-0361-2BEB-3727-0B14E0B8C874}"/>
-              </a:ext>
-            </a:extLst>
-          </p:cNvPr>
-          <p:cNvSpPr>
-            <a:spLocks noGrp="1"/>
-          </p:cNvSpPr>
-          <p:nvPr>
-            <p:ph idx="1"/>
-          </p:nvPr>
-        </p:nvSpPr>
-        <p:spPr/>
-        <p:txBody>
-          <a:bodyPr/>
-          <a:lstStyle/>
-          <a:p>
-            <a:endParaRPr lang="en-US"/>
+      <p:pic>
+        <p:nvPicPr>
+          <p:cNvPr id="36" name="Graphic 35">
+            <a:extLst>
+              <a:ext uri="{FF2B5EF4-FFF2-40B4-BE49-F238E27FC236}">
+                <a16:creationId xmlns:a16="http://schemas.microsoft.com/office/drawing/2014/main" id="{21A28AFE-8B8D-17CC-62A6-064C4994E455}"/>
+              </a:ext>
+            </a:extLst>
+          </p:cNvPr>
+          <p:cNvPicPr>
+            <a:picLocks noChangeAspect="1"/>
+          </p:cNvPicPr>
+          <p:nvPr/>
+        </p:nvPicPr>
+        <p:blipFill>
+          <a:blip r:embed="rId2">
+            <a:extLst>
+              <a:ext uri="{96DAC541-7B7A-43D3-8B79-37D633B846F1}">
+                <asvg:svgBlip xmlns:asvg="http://schemas.microsoft.com/office/drawing/2016/SVG/main" r:embed="rId3"/>
+              </a:ext>
+            </a:extLst>
+          </a:blip>
+          <a:stretch>
+            <a:fillRect/>
+          </a:stretch>
+        </p:blipFill>
+        <p:spPr>
+          <a:xfrm>
+            <a:off x="5420986" y="509115"/>
+            <a:ext cx="4800600" cy="4800600"/>
+          </a:xfrm>
+          <a:prstGeom prst="rect">
+            <a:avLst/>
+          </a:prstGeom>
+        </p:spPr>
+      </p:pic>
+      <p:pic>
+        <p:nvPicPr>
+          <p:cNvPr id="7" name="Graphic 6">
+            <a:extLst>
+              <a:ext uri="{FF2B5EF4-FFF2-40B4-BE49-F238E27FC236}">
+                <a16:creationId xmlns:a16="http://schemas.microsoft.com/office/drawing/2014/main" id="{3952663A-AEA1-F757-D605-A17F0DF06EDF}"/>
+              </a:ext>
+            </a:extLst>
+          </p:cNvPr>
+          <p:cNvPicPr>
+            <a:picLocks noChangeAspect="1"/>
+          </p:cNvPicPr>
+          <p:nvPr/>
+        </p:nvPicPr>
+        <p:blipFill>
+          <a:blip r:embed="rId4">
+            <a:extLst>
+              <a:ext uri="{96DAC541-7B7A-43D3-8B79-37D633B846F1}">
+                <asvg:svgBlip xmlns:asvg="http://schemas.microsoft.com/office/drawing/2016/SVG/main" r:embed="rId5"/>
+              </a:ext>
+            </a:extLst>
+          </a:blip>
+          <a:stretch>
+            <a:fillRect/>
+          </a:stretch>
+        </p:blipFill>
+        <p:spPr>
+          <a:xfrm>
+            <a:off x="176124" y="509115"/>
+            <a:ext cx="4800600" cy="4800600"/>
+          </a:xfrm>
+          <a:prstGeom prst="rect">
+            <a:avLst/>
+          </a:prstGeom>
+        </p:spPr>
+      </p:pic>
+      <p:cxnSp>
+        <p:nvCxnSpPr>
+          <p:cNvPr id="18" name="Straight Arrow Connector 17">
+            <a:extLst>
+              <a:ext uri="{FF2B5EF4-FFF2-40B4-BE49-F238E27FC236}">
+                <a16:creationId xmlns:a16="http://schemas.microsoft.com/office/drawing/2014/main" id="{ABFF7AD4-9651-15BA-6ED3-5A56C6FF9CCB}"/>
+              </a:ext>
+            </a:extLst>
+          </p:cNvPr>
+          <p:cNvCxnSpPr>
+            <a:cxnSpLocks/>
+          </p:cNvCxnSpPr>
+          <p:nvPr/>
+        </p:nvCxnSpPr>
+        <p:spPr>
+          <a:xfrm>
+            <a:off x="2984739" y="5078082"/>
+            <a:ext cx="4800600" cy="0"/>
+          </a:xfrm>
+          <a:prstGeom prst="straightConnector1">
+            <a:avLst/>
+          </a:prstGeom>
+          <a:ln>
+            <a:tailEnd type="triangle"/>
+          </a:ln>
+        </p:spPr>
+        <p:style>
+          <a:lnRef idx="2">
+            <a:schemeClr val="accent1"/>
+          </a:lnRef>
+          <a:fillRef idx="0">
+            <a:schemeClr val="accent1"/>
+          </a:fillRef>
+          <a:effectRef idx="1">
+            <a:schemeClr val="accent1"/>
+          </a:effectRef>
+          <a:fontRef idx="minor">
+            <a:schemeClr val="tx1"/>
+          </a:fontRef>
+        </p:style>
+      </p:cxnSp>
+      <p:cxnSp>
+        <p:nvCxnSpPr>
+          <p:cNvPr id="27" name="Straight Arrow Connector 26">
+            <a:extLst>
+              <a:ext uri="{FF2B5EF4-FFF2-40B4-BE49-F238E27FC236}">
+                <a16:creationId xmlns:a16="http://schemas.microsoft.com/office/drawing/2014/main" id="{ADEB800D-E7B8-2AC4-2F1F-F2BEBE76FFF3}"/>
+              </a:ext>
+            </a:extLst>
+          </p:cNvPr>
+          <p:cNvCxnSpPr>
+            <a:cxnSpLocks/>
+          </p:cNvCxnSpPr>
+          <p:nvPr/>
+        </p:nvCxnSpPr>
+        <p:spPr>
+          <a:xfrm flipV="1">
+            <a:off x="8338868" y="787879"/>
+            <a:ext cx="1483743" cy="690113"/>
+          </a:xfrm>
+          <a:prstGeom prst="straightConnector1">
+            <a:avLst/>
+          </a:prstGeom>
+          <a:ln>
+            <a:tailEnd type="triangle"/>
+          </a:ln>
+        </p:spPr>
+        <p:style>
+          <a:lnRef idx="2">
+            <a:schemeClr val="accent1"/>
+          </a:lnRef>
+          <a:fillRef idx="0">
+            <a:schemeClr val="accent1"/>
+          </a:fillRef>
+          <a:effectRef idx="1">
+            <a:schemeClr val="accent1"/>
+          </a:effectRef>
+          <a:fontRef idx="minor">
+            <a:schemeClr val="tx1"/>
+          </a:fontRef>
+        </p:style>
+      </p:cxnSp>
+      <p:sp>
+        <p:nvSpPr>
+          <p:cNvPr id="31" name="TextBox 30">
+            <a:extLst>
+              <a:ext uri="{FF2B5EF4-FFF2-40B4-BE49-F238E27FC236}">
+                <a16:creationId xmlns:a16="http://schemas.microsoft.com/office/drawing/2014/main" id="{5D4F7A32-D27B-BB15-243B-C40B0B5265ED}"/>
+              </a:ext>
+            </a:extLst>
+          </p:cNvPr>
+          <p:cNvSpPr txBox="1"/>
+          <p:nvPr/>
+        </p:nvSpPr>
+        <p:spPr>
+          <a:xfrm>
+            <a:off x="9109494" y="395543"/>
+            <a:ext cx="2766204" cy="369332"/>
+          </a:xfrm>
+          <a:prstGeom prst="rect">
+            <a:avLst/>
+          </a:prstGeom>
+          <a:solidFill>
+            <a:schemeClr val="accent6">
+              <a:lumMod val="20000"/>
+              <a:lumOff val="80000"/>
+            </a:schemeClr>
+          </a:solidFill>
+        </p:spPr>
+        <p:txBody>
+          <a:bodyPr wrap="square" rtlCol="0">
+            <a:spAutoFit/>
+          </a:bodyPr>
+          <a:lstStyle/>
+          <a:p>
+            <a:r>
+              <a:rPr lang="en-US" dirty="0"/>
+              <a:t> </a:t>
+            </a:r>
+            <a:r>
+              <a:rPr lang="en-US" i="1" dirty="0">
+                <a:solidFill>
+                  <a:schemeClr val="accent6">
+                    <a:lumMod val="75000"/>
+                  </a:schemeClr>
+                </a:solidFill>
+              </a:rPr>
+              <a:t>spotlights=c(-5.5 , 0 ,5.5)</a:t>
+            </a:r>
+          </a:p>
+        </p:txBody>
+      </p:sp>
+      <p:sp>
+        <p:nvSpPr>
+          <p:cNvPr id="34" name="TextBox 33">
+            <a:extLst>
+              <a:ext uri="{FF2B5EF4-FFF2-40B4-BE49-F238E27FC236}">
+                <a16:creationId xmlns:a16="http://schemas.microsoft.com/office/drawing/2014/main" id="{C4E9EB1B-F3A1-0202-341F-1138173963AA}"/>
+              </a:ext>
+            </a:extLst>
+          </p:cNvPr>
+          <p:cNvSpPr txBox="1"/>
+          <p:nvPr/>
+        </p:nvSpPr>
+        <p:spPr>
+          <a:xfrm>
+            <a:off x="4180869" y="5177752"/>
+            <a:ext cx="3076821" cy="369332"/>
+          </a:xfrm>
+          <a:prstGeom prst="rect">
+            <a:avLst/>
+          </a:prstGeom>
+          <a:solidFill>
+            <a:schemeClr val="accent6">
+              <a:lumMod val="20000"/>
+              <a:lumOff val="80000"/>
+            </a:schemeClr>
+          </a:solidFill>
+        </p:spPr>
+        <p:txBody>
+          <a:bodyPr wrap="square" rtlCol="0">
+            <a:spAutoFit/>
+          </a:bodyPr>
+          <a:lstStyle/>
+          <a:p>
+            <a:r>
+              <a:rPr lang="en-US" dirty="0"/>
+              <a:t> </a:t>
+            </a:r>
+            <a:r>
+              <a:rPr lang="en-US" i="1" dirty="0">
+                <a:solidFill>
+                  <a:schemeClr val="accent6">
+                    <a:lumMod val="75000"/>
+                  </a:schemeClr>
+                </a:solidFill>
+              </a:rPr>
+              <a:t>moderator.on.x.axis=FALSE</a:t>
+            </a:r>
           </a:p>
         </p:txBody>
       </p:sp>
